--- a/lectures materials/mmp/MMP2 Paradigms in Python.pptx
+++ b/lectures materials/mmp/MMP2 Paradigms in Python.pptx
@@ -4268,7 +4268,7 @@
           <p:cNvPr id="2" name="Заголовок 1">
             <a:extLst>
               <a:ext uri="{FF2B5EF4-FFF2-40B4-BE49-F238E27FC236}">
-                <a16:creationId xmlns:a16="http://schemas.microsoft.com/office/drawing/2014/main" xmlns="" id="{9937B8B6-83FA-8F52-6844-2083DF3BFCD4}"/>
+                <a16:creationId xmlns="" xmlns:a16="http://schemas.microsoft.com/office/drawing/2014/main" id="{9937B8B6-83FA-8F52-6844-2083DF3BFCD4}"/>
               </a:ext>
             </a:extLst>
           </p:cNvPr>
@@ -4312,7 +4312,7 @@
           <p:cNvPr id="3" name="Підзаголовок 2">
             <a:extLst>
               <a:ext uri="{FF2B5EF4-FFF2-40B4-BE49-F238E27FC236}">
-                <a16:creationId xmlns:a16="http://schemas.microsoft.com/office/drawing/2014/main" xmlns="" id="{E64F1456-974C-5B4F-F78A-FEBAF0780A05}"/>
+                <a16:creationId xmlns="" xmlns:a16="http://schemas.microsoft.com/office/drawing/2014/main" id="{E64F1456-974C-5B4F-F78A-FEBAF0780A05}"/>
               </a:ext>
             </a:extLst>
           </p:cNvPr>
@@ -7553,7 +7553,7 @@
   <a:extraClrSchemeLst/>
   <a:extLst>
     <a:ext uri="{05A4C25C-085E-4340-85A3-A5531E510DB2}">
-      <thm15:themeFamily xmlns:thm15="http://schemas.microsoft.com/office/thememl/2012/main" xmlns="" name="Тема1" id="{884C1F1E-9F01-4BBC-9178-D2152F7854D1}" vid="{BC98F467-AD48-49C5-B04A-5003BE156FC1}"/>
+      <thm15:themeFamily xmlns="" xmlns:thm15="http://schemas.microsoft.com/office/thememl/2012/main" name="Тема1" id="{884C1F1E-9F01-4BBC-9178-D2152F7854D1}" vid="{BC98F467-AD48-49C5-B04A-5003BE156FC1}"/>
     </a:ext>
   </a:extLst>
 </a:theme>
